--- a/Deliverable 6/Información apartado 3/overall structure.pptx
+++ b/Deliverable 6/Información apartado 3/overall structure.pptx
@@ -5,8 +5,7 @@
     <p:sldMasterId id="2147483648" r:id="rId1"/>
   </p:sldMasterIdLst>
   <p:sldIdLst>
-    <p:sldId id="256" r:id="rId2"/>
-    <p:sldId id="257" r:id="rId3"/>
+    <p:sldId id="257" r:id="rId2"/>
   </p:sldIdLst>
   <p:sldSz cx="12192000" cy="6858000"/>
   <p:notesSz cx="6858000" cy="9144000"/>
@@ -105,6 +104,11 @@
       </a:defRPr>
     </a:lvl9pPr>
   </p:defaultTextStyle>
+  <p:extLst>
+    <p:ext uri="{EFAFB233-063F-42B5-8137-9DF3F51BA10A}">
+      <p15:sldGuideLst xmlns:p15="http://schemas.microsoft.com/office/powerpoint/2012/main"/>
+    </p:ext>
+  </p:extLst>
 </p:presentation>
 </file>
 
@@ -239,7 +243,7 @@
           <a:p>
             <a:fld id="{C438BBC1-DF95-4AF4-BC30-E50EADDBD7A7}" type="datetimeFigureOut">
               <a:rPr lang="en-GB" smtClean="0"/>
-              <a:t>24/05/2018</a:t>
+              <a:t>26/05/2018</a:t>
             </a:fld>
             <a:endParaRPr lang="en-GB"/>
           </a:p>
@@ -409,7 +413,7 @@
           <a:p>
             <a:fld id="{C438BBC1-DF95-4AF4-BC30-E50EADDBD7A7}" type="datetimeFigureOut">
               <a:rPr lang="en-GB" smtClean="0"/>
-              <a:t>24/05/2018</a:t>
+              <a:t>26/05/2018</a:t>
             </a:fld>
             <a:endParaRPr lang="en-GB"/>
           </a:p>
@@ -589,7 +593,7 @@
           <a:p>
             <a:fld id="{C438BBC1-DF95-4AF4-BC30-E50EADDBD7A7}" type="datetimeFigureOut">
               <a:rPr lang="en-GB" smtClean="0"/>
-              <a:t>24/05/2018</a:t>
+              <a:t>26/05/2018</a:t>
             </a:fld>
             <a:endParaRPr lang="en-GB"/>
           </a:p>
@@ -759,7 +763,7 @@
           <a:p>
             <a:fld id="{C438BBC1-DF95-4AF4-BC30-E50EADDBD7A7}" type="datetimeFigureOut">
               <a:rPr lang="en-GB" smtClean="0"/>
-              <a:t>24/05/2018</a:t>
+              <a:t>26/05/2018</a:t>
             </a:fld>
             <a:endParaRPr lang="en-GB"/>
           </a:p>
@@ -1005,7 +1009,7 @@
           <a:p>
             <a:fld id="{C438BBC1-DF95-4AF4-BC30-E50EADDBD7A7}" type="datetimeFigureOut">
               <a:rPr lang="en-GB" smtClean="0"/>
-              <a:t>24/05/2018</a:t>
+              <a:t>26/05/2018</a:t>
             </a:fld>
             <a:endParaRPr lang="en-GB"/>
           </a:p>
@@ -1237,7 +1241,7 @@
           <a:p>
             <a:fld id="{C438BBC1-DF95-4AF4-BC30-E50EADDBD7A7}" type="datetimeFigureOut">
               <a:rPr lang="en-GB" smtClean="0"/>
-              <a:t>24/05/2018</a:t>
+              <a:t>26/05/2018</a:t>
             </a:fld>
             <a:endParaRPr lang="en-GB"/>
           </a:p>
@@ -1604,7 +1608,7 @@
           <a:p>
             <a:fld id="{C438BBC1-DF95-4AF4-BC30-E50EADDBD7A7}" type="datetimeFigureOut">
               <a:rPr lang="en-GB" smtClean="0"/>
-              <a:t>24/05/2018</a:t>
+              <a:t>26/05/2018</a:t>
             </a:fld>
             <a:endParaRPr lang="en-GB"/>
           </a:p>
@@ -1722,7 +1726,7 @@
           <a:p>
             <a:fld id="{C438BBC1-DF95-4AF4-BC30-E50EADDBD7A7}" type="datetimeFigureOut">
               <a:rPr lang="en-GB" smtClean="0"/>
-              <a:t>24/05/2018</a:t>
+              <a:t>26/05/2018</a:t>
             </a:fld>
             <a:endParaRPr lang="en-GB"/>
           </a:p>
@@ -1817,7 +1821,7 @@
           <a:p>
             <a:fld id="{C438BBC1-DF95-4AF4-BC30-E50EADDBD7A7}" type="datetimeFigureOut">
               <a:rPr lang="en-GB" smtClean="0"/>
-              <a:t>24/05/2018</a:t>
+              <a:t>26/05/2018</a:t>
             </a:fld>
             <a:endParaRPr lang="en-GB"/>
           </a:p>
@@ -2094,7 +2098,7 @@
           <a:p>
             <a:fld id="{C438BBC1-DF95-4AF4-BC30-E50EADDBD7A7}" type="datetimeFigureOut">
               <a:rPr lang="en-GB" smtClean="0"/>
-              <a:t>24/05/2018</a:t>
+              <a:t>26/05/2018</a:t>
             </a:fld>
             <a:endParaRPr lang="en-GB"/>
           </a:p>
@@ -2347,7 +2351,7 @@
           <a:p>
             <a:fld id="{C438BBC1-DF95-4AF4-BC30-E50EADDBD7A7}" type="datetimeFigureOut">
               <a:rPr lang="en-GB" smtClean="0"/>
-              <a:t>24/05/2018</a:t>
+              <a:t>26/05/2018</a:t>
             </a:fld>
             <a:endParaRPr lang="en-GB"/>
           </a:p>
@@ -2560,7 +2564,7 @@
           <a:p>
             <a:fld id="{C438BBC1-DF95-4AF4-BC30-E50EADDBD7A7}" type="datetimeFigureOut">
               <a:rPr lang="en-GB" smtClean="0"/>
-              <a:t>24/05/2018</a:t>
+              <a:t>26/05/2018</a:t>
             </a:fld>
             <a:endParaRPr lang="en-GB"/>
           </a:p>
@@ -2965,502 +2969,1377 @@
           <a:chExt cx="0" cy="0"/>
         </a:xfrm>
       </p:grpSpPr>
-      <p:sp>
-        <p:nvSpPr>
-          <p:cNvPr id="2" name="Title 1"/>
-          <p:cNvSpPr>
-            <a:spLocks noGrp="1"/>
-          </p:cNvSpPr>
-          <p:nvPr>
-            <p:ph type="ctrTitle"/>
-          </p:nvPr>
-        </p:nvSpPr>
-        <p:spPr/>
-        <p:txBody>
-          <a:bodyPr/>
-          <a:lstStyle/>
-          <a:p>
-            <a:endParaRPr lang="en-GB"/>
-          </a:p>
-        </p:txBody>
-      </p:sp>
-      <p:sp>
-        <p:nvSpPr>
-          <p:cNvPr id="3" name="Subtitle 2"/>
-          <p:cNvSpPr>
-            <a:spLocks noGrp="1"/>
-          </p:cNvSpPr>
-          <p:nvPr>
-            <p:ph type="subTitle" idx="1"/>
-          </p:nvPr>
-        </p:nvSpPr>
-        <p:spPr/>
-        <p:txBody>
-          <a:bodyPr/>
-          <a:lstStyle/>
-          <a:p>
-            <a:endParaRPr lang="en-GB"/>
-          </a:p>
-        </p:txBody>
-      </p:sp>
-    </p:spTree>
-    <p:extLst>
-      <p:ext uri="{BB962C8B-B14F-4D97-AF65-F5344CB8AC3E}">
-        <p14:creationId xmlns:p14="http://schemas.microsoft.com/office/powerpoint/2010/main" val="2100849381"/>
-      </p:ext>
-    </p:extLst>
-  </p:cSld>
-  <p:clrMapOvr>
-    <a:masterClrMapping/>
-  </p:clrMapOvr>
-</p:sld>
-</file>
-
-<file path=ppt/slides/slide2.xml><?xml version="1.0" encoding="utf-8"?>
-<p:sld xmlns:a="http://schemas.openxmlformats.org/drawingml/2006/main" xmlns:r="http://schemas.openxmlformats.org/officeDocument/2006/relationships" xmlns:p="http://schemas.openxmlformats.org/presentationml/2006/main">
-  <p:cSld>
-    <p:spTree>
-      <p:nvGrpSpPr>
-        <p:cNvPr id="1" name=""/>
-        <p:cNvGrpSpPr/>
-        <p:nvPr/>
-      </p:nvGrpSpPr>
-      <p:grpSpPr>
-        <a:xfrm>
-          <a:off x="0" y="0"/>
-          <a:ext cx="0" cy="0"/>
-          <a:chOff x="0" y="0"/>
-          <a:chExt cx="0" cy="0"/>
-        </a:xfrm>
-      </p:grpSpPr>
-      <p:sp>
-        <p:nvSpPr>
-          <p:cNvPr id="2" name="Rectangle 1"/>
-          <p:cNvSpPr/>
+      <p:grpSp>
+        <p:nvGrpSpPr>
+          <p:cNvPr id="85" name="Group 84"/>
+          <p:cNvGrpSpPr/>
           <p:nvPr/>
-        </p:nvSpPr>
-        <p:spPr>
+        </p:nvGrpSpPr>
+        <p:grpSpPr>
           <a:xfrm>
-            <a:off x="167425" y="428763"/>
-            <a:ext cx="11732654" cy="360000"/>
+            <a:off x="167423" y="356899"/>
+            <a:ext cx="11732654" cy="5817571"/>
+            <a:chOff x="167423" y="356899"/>
+            <a:chExt cx="11732654" cy="5817571"/>
           </a:xfrm>
-          <a:prstGeom prst="rect">
-            <a:avLst/>
-          </a:prstGeom>
-        </p:spPr>
-        <p:style>
-          <a:lnRef idx="2">
-            <a:schemeClr val="accent1">
-              <a:shade val="50000"/>
-            </a:schemeClr>
-          </a:lnRef>
-          <a:fillRef idx="1">
-            <a:schemeClr val="accent1"/>
-          </a:fillRef>
-          <a:effectRef idx="0">
-            <a:schemeClr val="accent1"/>
-          </a:effectRef>
-          <a:fontRef idx="minor">
-            <a:schemeClr val="lt1"/>
-          </a:fontRef>
-        </p:style>
-        <p:txBody>
-          <a:bodyPr rtlCol="0" anchor="ctr"/>
-          <a:lstStyle/>
-          <a:p>
-            <a:pPr algn="ctr"/>
-            <a:r>
-              <a:rPr lang="es-ES" sz="1400" dirty="0" smtClean="0"/>
-              <a:t>WP1: Project </a:t>
-            </a:r>
-            <a:r>
-              <a:rPr lang="es-ES" sz="1400" dirty="0" err="1" smtClean="0"/>
-              <a:t>management</a:t>
-            </a:r>
-            <a:r>
-              <a:rPr lang="es-ES" sz="1400" dirty="0" smtClean="0"/>
-              <a:t> </a:t>
-            </a:r>
-            <a:endParaRPr lang="en-GB" sz="1400" dirty="0"/>
-          </a:p>
-        </p:txBody>
-      </p:sp>
-      <p:sp>
-        <p:nvSpPr>
-          <p:cNvPr id="3" name="Rectangle 2"/>
-          <p:cNvSpPr/>
-          <p:nvPr/>
-        </p:nvSpPr>
-        <p:spPr>
-          <a:xfrm>
-            <a:off x="244698" y="1227341"/>
-            <a:ext cx="2627290" cy="360000"/>
-          </a:xfrm>
-          <a:prstGeom prst="rect">
-            <a:avLst/>
-          </a:prstGeom>
-        </p:spPr>
-        <p:style>
-          <a:lnRef idx="2">
-            <a:schemeClr val="accent1">
-              <a:shade val="50000"/>
-            </a:schemeClr>
-          </a:lnRef>
-          <a:fillRef idx="1">
-            <a:schemeClr val="accent1"/>
-          </a:fillRef>
-          <a:effectRef idx="0">
-            <a:schemeClr val="accent1"/>
-          </a:effectRef>
-          <a:fontRef idx="minor">
-            <a:schemeClr val="lt1"/>
-          </a:fontRef>
-        </p:style>
-        <p:txBody>
-          <a:bodyPr rtlCol="0" anchor="ctr"/>
-          <a:lstStyle/>
-          <a:p>
-            <a:pPr algn="ctr"/>
-            <a:r>
-              <a:rPr lang="es-ES" sz="1400" dirty="0" smtClean="0"/>
-              <a:t>WP2: </a:t>
-            </a:r>
-            <a:r>
-              <a:rPr lang="es-ES" sz="1400" dirty="0" err="1" smtClean="0"/>
-              <a:t>Quality</a:t>
-            </a:r>
-            <a:r>
-              <a:rPr lang="es-ES" sz="1400" dirty="0" smtClean="0"/>
-              <a:t> and </a:t>
-            </a:r>
-            <a:r>
-              <a:rPr lang="es-ES" sz="1400" dirty="0" err="1" smtClean="0"/>
-              <a:t>administration</a:t>
-            </a:r>
-            <a:r>
-              <a:rPr lang="es-ES" sz="1400" dirty="0" smtClean="0"/>
-              <a:t> </a:t>
-            </a:r>
-            <a:endParaRPr lang="en-GB" sz="1400" dirty="0"/>
-          </a:p>
-        </p:txBody>
-      </p:sp>
-      <p:sp>
-        <p:nvSpPr>
-          <p:cNvPr id="4" name="Rectangle 3"/>
-          <p:cNvSpPr/>
-          <p:nvPr/>
-        </p:nvSpPr>
-        <p:spPr>
-          <a:xfrm>
-            <a:off x="2401909" y="3121988"/>
-            <a:ext cx="8190963" cy="399245"/>
-          </a:xfrm>
-          <a:prstGeom prst="rect">
-            <a:avLst/>
-          </a:prstGeom>
-        </p:spPr>
-        <p:style>
-          <a:lnRef idx="2">
-            <a:schemeClr val="accent1">
-              <a:shade val="50000"/>
-            </a:schemeClr>
-          </a:lnRef>
-          <a:fillRef idx="1">
-            <a:schemeClr val="accent1"/>
-          </a:fillRef>
-          <a:effectRef idx="0">
-            <a:schemeClr val="accent1"/>
-          </a:effectRef>
-          <a:fontRef idx="minor">
-            <a:schemeClr val="lt1"/>
-          </a:fontRef>
-        </p:style>
-        <p:txBody>
-          <a:bodyPr rtlCol="0" anchor="ctr"/>
-          <a:lstStyle/>
-          <a:p>
-            <a:pPr algn="ctr"/>
-            <a:r>
-              <a:rPr lang="es-ES" dirty="0" smtClean="0"/>
-              <a:t>WP3: </a:t>
-            </a:r>
-            <a:r>
-              <a:rPr lang="es-ES" dirty="0" err="1" smtClean="0"/>
-              <a:t>State</a:t>
-            </a:r>
-            <a:r>
-              <a:rPr lang="es-ES" dirty="0" smtClean="0"/>
-              <a:t> of </a:t>
-            </a:r>
-            <a:r>
-              <a:rPr lang="es-ES" dirty="0" err="1" smtClean="0"/>
-              <a:t>the</a:t>
-            </a:r>
-            <a:r>
-              <a:rPr lang="es-ES" dirty="0" smtClean="0"/>
-              <a:t> art</a:t>
-            </a:r>
-            <a:endParaRPr lang="en-GB" dirty="0"/>
-          </a:p>
-        </p:txBody>
-      </p:sp>
-      <p:sp>
-        <p:nvSpPr>
-          <p:cNvPr id="5" name="Rectangle 4"/>
-          <p:cNvSpPr/>
-          <p:nvPr/>
-        </p:nvSpPr>
-        <p:spPr>
-          <a:xfrm>
-            <a:off x="2292438" y="3617047"/>
-            <a:ext cx="8190963" cy="399245"/>
-          </a:xfrm>
-          <a:prstGeom prst="rect">
-            <a:avLst/>
-          </a:prstGeom>
-        </p:spPr>
-        <p:style>
-          <a:lnRef idx="2">
-            <a:schemeClr val="accent1">
-              <a:shade val="50000"/>
-            </a:schemeClr>
-          </a:lnRef>
-          <a:fillRef idx="1">
-            <a:schemeClr val="accent1"/>
-          </a:fillRef>
-          <a:effectRef idx="0">
-            <a:schemeClr val="accent1"/>
-          </a:effectRef>
-          <a:fontRef idx="minor">
-            <a:schemeClr val="lt1"/>
-          </a:fontRef>
-        </p:style>
-        <p:txBody>
-          <a:bodyPr rtlCol="0" anchor="ctr"/>
-          <a:lstStyle/>
-          <a:p>
-            <a:pPr algn="ctr"/>
-            <a:r>
-              <a:rPr lang="es-ES" dirty="0" smtClean="0"/>
-              <a:t>WP4: </a:t>
-            </a:r>
-            <a:r>
-              <a:rPr lang="es-ES" dirty="0" err="1" smtClean="0"/>
-              <a:t>Product</a:t>
-            </a:r>
-            <a:r>
-              <a:rPr lang="es-ES" dirty="0" smtClean="0"/>
-              <a:t> </a:t>
-            </a:r>
-            <a:r>
-              <a:rPr lang="es-ES" dirty="0" err="1" smtClean="0"/>
-              <a:t>development</a:t>
-            </a:r>
-            <a:endParaRPr lang="en-GB" dirty="0"/>
-          </a:p>
-        </p:txBody>
-      </p:sp>
-      <p:sp>
-        <p:nvSpPr>
-          <p:cNvPr id="6" name="Rectangle 5"/>
-          <p:cNvSpPr/>
-          <p:nvPr/>
-        </p:nvSpPr>
-        <p:spPr>
-          <a:xfrm>
-            <a:off x="2292439" y="4464306"/>
-            <a:ext cx="8190963" cy="399245"/>
-          </a:xfrm>
-          <a:prstGeom prst="rect">
-            <a:avLst/>
-          </a:prstGeom>
-        </p:spPr>
-        <p:style>
-          <a:lnRef idx="2">
-            <a:schemeClr val="accent1">
-              <a:shade val="50000"/>
-            </a:schemeClr>
-          </a:lnRef>
-          <a:fillRef idx="1">
-            <a:schemeClr val="accent1"/>
-          </a:fillRef>
-          <a:effectRef idx="0">
-            <a:schemeClr val="accent1"/>
-          </a:effectRef>
-          <a:fontRef idx="minor">
-            <a:schemeClr val="lt1"/>
-          </a:fontRef>
-        </p:style>
-        <p:txBody>
-          <a:bodyPr rtlCol="0" anchor="ctr"/>
-          <a:lstStyle/>
-          <a:p>
-            <a:pPr algn="ctr"/>
-            <a:r>
-              <a:rPr lang="es-ES" dirty="0" smtClean="0"/>
-              <a:t>WP5: </a:t>
-            </a:r>
-            <a:r>
-              <a:rPr lang="es-ES" dirty="0" err="1" smtClean="0"/>
-              <a:t>Simulation</a:t>
-            </a:r>
-            <a:r>
-              <a:rPr lang="es-ES" dirty="0" smtClean="0"/>
-              <a:t>, </a:t>
-            </a:r>
-            <a:r>
-              <a:rPr lang="es-ES" dirty="0" err="1" smtClean="0"/>
-              <a:t>testing</a:t>
-            </a:r>
-            <a:r>
-              <a:rPr lang="es-ES" dirty="0" smtClean="0"/>
-              <a:t>, </a:t>
-            </a:r>
-            <a:r>
-              <a:rPr lang="es-ES" dirty="0" err="1" smtClean="0"/>
-              <a:t>validation</a:t>
-            </a:r>
-            <a:r>
-              <a:rPr lang="es-ES" dirty="0" smtClean="0"/>
-              <a:t> and </a:t>
-            </a:r>
-            <a:r>
-              <a:rPr lang="es-ES" dirty="0" err="1" smtClean="0"/>
-              <a:t>quality</a:t>
-            </a:r>
-            <a:endParaRPr lang="en-GB" dirty="0"/>
-          </a:p>
-        </p:txBody>
-      </p:sp>
-      <p:sp>
-        <p:nvSpPr>
-          <p:cNvPr id="7" name="Rectangle 6"/>
-          <p:cNvSpPr/>
-          <p:nvPr/>
-        </p:nvSpPr>
-        <p:spPr>
-          <a:xfrm>
-            <a:off x="3197179" y="1227341"/>
-            <a:ext cx="4114801" cy="360000"/>
-          </a:xfrm>
-          <a:prstGeom prst="rect">
-            <a:avLst/>
-          </a:prstGeom>
-        </p:spPr>
-        <p:style>
-          <a:lnRef idx="2">
-            <a:schemeClr val="accent1">
-              <a:shade val="50000"/>
-            </a:schemeClr>
-          </a:lnRef>
-          <a:fillRef idx="1">
-            <a:schemeClr val="accent1"/>
-          </a:fillRef>
-          <a:effectRef idx="0">
-            <a:schemeClr val="accent1"/>
-          </a:effectRef>
-          <a:fontRef idx="minor">
-            <a:schemeClr val="lt1"/>
-          </a:fontRef>
-        </p:style>
-        <p:txBody>
-          <a:bodyPr rtlCol="0" anchor="ctr"/>
-          <a:lstStyle/>
-          <a:p>
-            <a:pPr algn="ctr"/>
-            <a:r>
-              <a:rPr lang="es-ES" sz="1400" dirty="0" smtClean="0"/>
-              <a:t>WP6: Business </a:t>
-            </a:r>
-            <a:r>
-              <a:rPr lang="es-ES" sz="1400" dirty="0" err="1" smtClean="0"/>
-              <a:t>planning</a:t>
-            </a:r>
-            <a:r>
-              <a:rPr lang="es-ES" sz="1400" dirty="0" smtClean="0"/>
-              <a:t> and </a:t>
-            </a:r>
-            <a:r>
-              <a:rPr lang="es-ES" sz="1400" dirty="0" err="1" smtClean="0"/>
-              <a:t>exploitation</a:t>
-            </a:r>
-            <a:r>
-              <a:rPr lang="es-ES" sz="1400" dirty="0" smtClean="0"/>
-              <a:t> of </a:t>
-            </a:r>
-            <a:r>
-              <a:rPr lang="es-ES" sz="1400" dirty="0" err="1" smtClean="0"/>
-              <a:t>results</a:t>
-            </a:r>
-            <a:endParaRPr lang="en-GB" sz="1400" dirty="0"/>
-          </a:p>
-        </p:txBody>
-      </p:sp>
-      <p:sp>
-        <p:nvSpPr>
-          <p:cNvPr id="8" name="Rectangle 7"/>
-          <p:cNvSpPr/>
-          <p:nvPr/>
-        </p:nvSpPr>
-        <p:spPr>
-          <a:xfrm>
-            <a:off x="7714445" y="1244650"/>
-            <a:ext cx="4185634" cy="360000"/>
-          </a:xfrm>
-          <a:prstGeom prst="rect">
-            <a:avLst/>
-          </a:prstGeom>
-        </p:spPr>
-        <p:style>
-          <a:lnRef idx="2">
-            <a:schemeClr val="accent1">
-              <a:shade val="50000"/>
-            </a:schemeClr>
-          </a:lnRef>
-          <a:fillRef idx="1">
-            <a:schemeClr val="accent1"/>
-          </a:fillRef>
-          <a:effectRef idx="0">
-            <a:schemeClr val="accent1"/>
-          </a:effectRef>
-          <a:fontRef idx="minor">
-            <a:schemeClr val="lt1"/>
-          </a:fontRef>
-        </p:style>
-        <p:txBody>
-          <a:bodyPr rtlCol="0" anchor="ctr"/>
-          <a:lstStyle/>
-          <a:p>
-            <a:pPr algn="ctr"/>
-            <a:r>
-              <a:rPr lang="es-ES" sz="1400" dirty="0" smtClean="0"/>
-              <a:t>WP7: </a:t>
-            </a:r>
-            <a:r>
-              <a:rPr lang="es-ES" sz="1400" dirty="0" err="1" smtClean="0"/>
-              <a:t>Communication</a:t>
-            </a:r>
-            <a:r>
-              <a:rPr lang="es-ES" sz="1400" dirty="0" smtClean="0"/>
-              <a:t> and </a:t>
-            </a:r>
-            <a:r>
-              <a:rPr lang="es-ES" sz="1400" dirty="0" err="1" smtClean="0"/>
-              <a:t>dissemination</a:t>
-            </a:r>
-            <a:r>
-              <a:rPr lang="es-ES" sz="1400" dirty="0" smtClean="0"/>
-              <a:t> </a:t>
-            </a:r>
-            <a:r>
-              <a:rPr lang="es-ES" sz="1400" dirty="0" err="1" smtClean="0"/>
-              <a:t>strategies</a:t>
-            </a:r>
-            <a:endParaRPr lang="en-GB" sz="1400" dirty="0"/>
-          </a:p>
-        </p:txBody>
-      </p:sp>
+        </p:grpSpPr>
+        <p:grpSp>
+          <p:nvGrpSpPr>
+            <p:cNvPr id="46" name="Group 45"/>
+            <p:cNvGrpSpPr/>
+            <p:nvPr/>
+          </p:nvGrpSpPr>
+          <p:grpSpPr>
+            <a:xfrm>
+              <a:off x="167423" y="356899"/>
+              <a:ext cx="11732654" cy="5817571"/>
+              <a:chOff x="167423" y="356899"/>
+              <a:chExt cx="11732654" cy="5817571"/>
+            </a:xfrm>
+          </p:grpSpPr>
+          <p:sp>
+            <p:nvSpPr>
+              <p:cNvPr id="9" name="Rectangle 8"/>
+              <p:cNvSpPr/>
+              <p:nvPr/>
+            </p:nvSpPr>
+            <p:spPr>
+              <a:xfrm>
+                <a:off x="637501" y="1954053"/>
+                <a:ext cx="10792497" cy="4220417"/>
+              </a:xfrm>
+              <a:prstGeom prst="rect">
+                <a:avLst/>
+              </a:prstGeom>
+              <a:noFill/>
+              <a:ln>
+                <a:solidFill>
+                  <a:schemeClr val="bg2">
+                    <a:lumMod val="50000"/>
+                  </a:schemeClr>
+                </a:solidFill>
+              </a:ln>
+            </p:spPr>
+            <p:style>
+              <a:lnRef idx="2">
+                <a:schemeClr val="accent1">
+                  <a:shade val="50000"/>
+                </a:schemeClr>
+              </a:lnRef>
+              <a:fillRef idx="1">
+                <a:schemeClr val="accent1"/>
+              </a:fillRef>
+              <a:effectRef idx="0">
+                <a:schemeClr val="accent1"/>
+              </a:effectRef>
+              <a:fontRef idx="minor">
+                <a:schemeClr val="lt1"/>
+              </a:fontRef>
+            </p:style>
+            <p:txBody>
+              <a:bodyPr rtlCol="0" anchor="ctr"/>
+              <a:lstStyle/>
+              <a:p>
+                <a:pPr algn="ctr"/>
+                <a:endParaRPr lang="en-GB"/>
+              </a:p>
+            </p:txBody>
+          </p:sp>
+          <p:grpSp>
+            <p:nvGrpSpPr>
+              <p:cNvPr id="45" name="Group 44"/>
+              <p:cNvGrpSpPr/>
+              <p:nvPr/>
+            </p:nvGrpSpPr>
+            <p:grpSpPr>
+              <a:xfrm>
+                <a:off x="167423" y="356899"/>
+                <a:ext cx="11732654" cy="3707364"/>
+                <a:chOff x="167423" y="428761"/>
+                <a:chExt cx="11732654" cy="3707364"/>
+              </a:xfrm>
+            </p:grpSpPr>
+            <p:cxnSp>
+              <p:nvCxnSpPr>
+                <p:cNvPr id="15" name="Elbow Connector 14"/>
+                <p:cNvCxnSpPr>
+                  <a:stCxn id="2" idx="2"/>
+                  <a:endCxn id="7" idx="0"/>
+                </p:cNvCxnSpPr>
+                <p:nvPr/>
+              </p:nvCxnSpPr>
+              <p:spPr>
+                <a:xfrm rot="5400000">
+                  <a:off x="5514875" y="708464"/>
+                  <a:ext cx="258578" cy="779172"/>
+                </a:xfrm>
+                <a:prstGeom prst="bentConnector3">
+                  <a:avLst/>
+                </a:prstGeom>
+                <a:ln>
+                  <a:solidFill>
+                    <a:schemeClr val="bg2">
+                      <a:lumMod val="50000"/>
+                    </a:schemeClr>
+                  </a:solidFill>
+                  <a:prstDash val="sysDash"/>
+                  <a:headEnd type="triangle"/>
+                  <a:tailEnd type="triangle"/>
+                </a:ln>
+              </p:spPr>
+              <p:style>
+                <a:lnRef idx="1">
+                  <a:schemeClr val="dk1"/>
+                </a:lnRef>
+                <a:fillRef idx="0">
+                  <a:schemeClr val="dk1"/>
+                </a:fillRef>
+                <a:effectRef idx="0">
+                  <a:schemeClr val="dk1"/>
+                </a:effectRef>
+                <a:fontRef idx="minor">
+                  <a:schemeClr val="tx1"/>
+                </a:fontRef>
+              </p:style>
+            </p:cxnSp>
+            <p:grpSp>
+              <p:nvGrpSpPr>
+                <p:cNvPr id="44" name="Group 43"/>
+                <p:cNvGrpSpPr/>
+                <p:nvPr/>
+              </p:nvGrpSpPr>
+              <p:grpSpPr>
+                <a:xfrm>
+                  <a:off x="167423" y="428761"/>
+                  <a:ext cx="11732654" cy="3707364"/>
+                  <a:chOff x="167423" y="428761"/>
+                  <a:chExt cx="11732654" cy="3707364"/>
+                </a:xfrm>
+              </p:grpSpPr>
+              <p:cxnSp>
+                <p:nvCxnSpPr>
+                  <p:cNvPr id="19" name="Elbow Connector 18"/>
+                  <p:cNvCxnSpPr>
+                    <a:stCxn id="2" idx="2"/>
+                    <a:endCxn id="3" idx="0"/>
+                  </p:cNvCxnSpPr>
+                  <p:nvPr/>
+                </p:nvCxnSpPr>
+                <p:spPr>
+                  <a:xfrm rot="5400000">
+                    <a:off x="3628120" y="-1178291"/>
+                    <a:ext cx="258578" cy="4552682"/>
+                  </a:xfrm>
+                  <a:prstGeom prst="bentConnector3">
+                    <a:avLst>
+                      <a:gd name="adj1" fmla="val 50000"/>
+                    </a:avLst>
+                  </a:prstGeom>
+                  <a:ln>
+                    <a:solidFill>
+                      <a:schemeClr val="bg2">
+                        <a:lumMod val="50000"/>
+                      </a:schemeClr>
+                    </a:solidFill>
+                    <a:prstDash val="sysDash"/>
+                    <a:headEnd type="triangle"/>
+                    <a:tailEnd type="triangle"/>
+                  </a:ln>
+                </p:spPr>
+                <p:style>
+                  <a:lnRef idx="1">
+                    <a:schemeClr val="dk1"/>
+                  </a:lnRef>
+                  <a:fillRef idx="0">
+                    <a:schemeClr val="dk1"/>
+                  </a:fillRef>
+                  <a:effectRef idx="0">
+                    <a:schemeClr val="dk1"/>
+                  </a:effectRef>
+                  <a:fontRef idx="minor">
+                    <a:schemeClr val="tx1"/>
+                  </a:fontRef>
+                </p:style>
+              </p:cxnSp>
+              <p:grpSp>
+                <p:nvGrpSpPr>
+                  <p:cNvPr id="43" name="Group 42"/>
+                  <p:cNvGrpSpPr/>
+                  <p:nvPr/>
+                </p:nvGrpSpPr>
+                <p:grpSpPr>
+                  <a:xfrm>
+                    <a:off x="167423" y="428761"/>
+                    <a:ext cx="11732654" cy="3707364"/>
+                    <a:chOff x="167425" y="428763"/>
+                    <a:chExt cx="11732654" cy="3707364"/>
+                  </a:xfrm>
+                </p:grpSpPr>
+                <p:sp>
+                  <p:nvSpPr>
+                    <p:cNvPr id="2" name="Rectangle 1"/>
+                    <p:cNvSpPr/>
+                    <p:nvPr/>
+                  </p:nvSpPr>
+                  <p:spPr>
+                    <a:xfrm>
+                      <a:off x="167425" y="428763"/>
+                      <a:ext cx="11732654" cy="540000"/>
+                    </a:xfrm>
+                    <a:prstGeom prst="rect">
+                      <a:avLst/>
+                    </a:prstGeom>
+                  </p:spPr>
+                  <p:style>
+                    <a:lnRef idx="2">
+                      <a:schemeClr val="accent1">
+                        <a:shade val="50000"/>
+                      </a:schemeClr>
+                    </a:lnRef>
+                    <a:fillRef idx="1">
+                      <a:schemeClr val="accent1"/>
+                    </a:fillRef>
+                    <a:effectRef idx="0">
+                      <a:schemeClr val="accent1"/>
+                    </a:effectRef>
+                    <a:fontRef idx="minor">
+                      <a:schemeClr val="lt1"/>
+                    </a:fontRef>
+                  </p:style>
+                  <p:txBody>
+                    <a:bodyPr rtlCol="0" anchor="ctr"/>
+                    <a:lstStyle/>
+                    <a:p>
+                      <a:pPr algn="ctr"/>
+                      <a:r>
+                        <a:rPr lang="en-GB" sz="1400" dirty="0" smtClean="0"/>
+                        <a:t>WP1: Project management </a:t>
+                      </a:r>
+                      <a:endParaRPr lang="en-GB" sz="1400" dirty="0"/>
+                    </a:p>
+                  </p:txBody>
+                </p:sp>
+                <p:sp>
+                  <p:nvSpPr>
+                    <p:cNvPr id="3" name="Rectangle 2"/>
+                    <p:cNvSpPr/>
+                    <p:nvPr/>
+                  </p:nvSpPr>
+                  <p:spPr>
+                    <a:xfrm>
+                      <a:off x="167425" y="1227341"/>
+                      <a:ext cx="2627290" cy="540000"/>
+                    </a:xfrm>
+                    <a:prstGeom prst="rect">
+                      <a:avLst/>
+                    </a:prstGeom>
+                    <a:solidFill>
+                      <a:schemeClr val="accent4"/>
+                    </a:solidFill>
+                    <a:ln>
+                      <a:solidFill>
+                        <a:schemeClr val="accent4"/>
+                      </a:solidFill>
+                    </a:ln>
+                  </p:spPr>
+                  <p:style>
+                    <a:lnRef idx="2">
+                      <a:schemeClr val="accent1">
+                        <a:shade val="50000"/>
+                      </a:schemeClr>
+                    </a:lnRef>
+                    <a:fillRef idx="1">
+                      <a:schemeClr val="accent1"/>
+                    </a:fillRef>
+                    <a:effectRef idx="0">
+                      <a:schemeClr val="accent1"/>
+                    </a:effectRef>
+                    <a:fontRef idx="minor">
+                      <a:schemeClr val="lt1"/>
+                    </a:fontRef>
+                  </p:style>
+                  <p:txBody>
+                    <a:bodyPr rtlCol="0" anchor="ctr"/>
+                    <a:lstStyle/>
+                    <a:p>
+                      <a:pPr algn="ctr"/>
+                      <a:r>
+                        <a:rPr lang="en-GB" sz="1400" dirty="0" smtClean="0">
+                          <a:solidFill>
+                            <a:schemeClr val="tx1"/>
+                          </a:solidFill>
+                        </a:rPr>
+                        <a:t>WP2: Quality and administration </a:t>
+                      </a:r>
+                      <a:endParaRPr lang="en-GB" sz="1400" dirty="0">
+                        <a:solidFill>
+                          <a:schemeClr val="tx1"/>
+                        </a:solidFill>
+                      </a:endParaRPr>
+                    </a:p>
+                  </p:txBody>
+                </p:sp>
+                <p:sp>
+                  <p:nvSpPr>
+                    <p:cNvPr id="7" name="Rectangle 6"/>
+                    <p:cNvSpPr/>
+                    <p:nvPr/>
+                  </p:nvSpPr>
+                  <p:spPr>
+                    <a:xfrm>
+                      <a:off x="3197179" y="1227341"/>
+                      <a:ext cx="4114801" cy="540000"/>
+                    </a:xfrm>
+                    <a:prstGeom prst="rect">
+                      <a:avLst/>
+                    </a:prstGeom>
+                    <a:solidFill>
+                      <a:srgbClr val="92D050"/>
+                    </a:solidFill>
+                    <a:ln>
+                      <a:solidFill>
+                        <a:srgbClr val="92D050"/>
+                      </a:solidFill>
+                    </a:ln>
+                  </p:spPr>
+                  <p:style>
+                    <a:lnRef idx="2">
+                      <a:schemeClr val="accent1">
+                        <a:shade val="50000"/>
+                      </a:schemeClr>
+                    </a:lnRef>
+                    <a:fillRef idx="1">
+                      <a:schemeClr val="accent1"/>
+                    </a:fillRef>
+                    <a:effectRef idx="0">
+                      <a:schemeClr val="accent1"/>
+                    </a:effectRef>
+                    <a:fontRef idx="minor">
+                      <a:schemeClr val="lt1"/>
+                    </a:fontRef>
+                  </p:style>
+                  <p:txBody>
+                    <a:bodyPr rtlCol="0" anchor="ctr"/>
+                    <a:lstStyle/>
+                    <a:p>
+                      <a:pPr algn="ctr"/>
+                      <a:r>
+                        <a:rPr lang="en-GB" sz="1400" dirty="0" smtClean="0">
+                          <a:solidFill>
+                            <a:schemeClr val="tx1"/>
+                          </a:solidFill>
+                        </a:rPr>
+                        <a:t>WP6: Business planning and exploitation of results</a:t>
+                      </a:r>
+                      <a:endParaRPr lang="en-GB" sz="1400" dirty="0">
+                        <a:solidFill>
+                          <a:schemeClr val="tx1"/>
+                        </a:solidFill>
+                      </a:endParaRPr>
+                    </a:p>
+                  </p:txBody>
+                </p:sp>
+                <p:sp>
+                  <p:nvSpPr>
+                    <p:cNvPr id="8" name="Rectangle 7"/>
+                    <p:cNvSpPr/>
+                    <p:nvPr/>
+                  </p:nvSpPr>
+                  <p:spPr>
+                    <a:xfrm>
+                      <a:off x="7714445" y="1227340"/>
+                      <a:ext cx="4185634" cy="540000"/>
+                    </a:xfrm>
+                    <a:prstGeom prst="rect">
+                      <a:avLst/>
+                    </a:prstGeom>
+                    <a:solidFill>
+                      <a:srgbClr val="FF5050"/>
+                    </a:solidFill>
+                    <a:ln>
+                      <a:solidFill>
+                        <a:srgbClr val="FF5050"/>
+                      </a:solidFill>
+                    </a:ln>
+                  </p:spPr>
+                  <p:style>
+                    <a:lnRef idx="2">
+                      <a:schemeClr val="accent1">
+                        <a:shade val="50000"/>
+                      </a:schemeClr>
+                    </a:lnRef>
+                    <a:fillRef idx="1">
+                      <a:schemeClr val="accent1"/>
+                    </a:fillRef>
+                    <a:effectRef idx="0">
+                      <a:schemeClr val="accent1"/>
+                    </a:effectRef>
+                    <a:fontRef idx="minor">
+                      <a:schemeClr val="lt1"/>
+                    </a:fontRef>
+                  </p:style>
+                  <p:txBody>
+                    <a:bodyPr rtlCol="0" anchor="ctr"/>
+                    <a:lstStyle/>
+                    <a:p>
+                      <a:pPr algn="ctr"/>
+                      <a:r>
+                        <a:rPr lang="en-GB" sz="1400" dirty="0" smtClean="0">
+                          <a:solidFill>
+                            <a:schemeClr val="tx1"/>
+                          </a:solidFill>
+                        </a:rPr>
+                        <a:t>WP7: Communication and dissemination strategies</a:t>
+                      </a:r>
+                      <a:endParaRPr lang="en-GB" sz="1400" dirty="0">
+                        <a:solidFill>
+                          <a:schemeClr val="tx1"/>
+                        </a:solidFill>
+                      </a:endParaRPr>
+                    </a:p>
+                  </p:txBody>
+                </p:sp>
+                <p:cxnSp>
+                  <p:nvCxnSpPr>
+                    <p:cNvPr id="16" name="Elbow Connector 15"/>
+                    <p:cNvCxnSpPr>
+                      <a:stCxn id="2" idx="2"/>
+                      <a:endCxn id="8" idx="0"/>
+                    </p:cNvCxnSpPr>
+                    <p:nvPr/>
+                  </p:nvCxnSpPr>
+                  <p:spPr>
+                    <a:xfrm rot="16200000" flipH="1">
+                      <a:off x="7791219" y="-788704"/>
+                      <a:ext cx="258577" cy="3773510"/>
+                    </a:xfrm>
+                    <a:prstGeom prst="bentConnector3">
+                      <a:avLst>
+                        <a:gd name="adj1" fmla="val 50000"/>
+                      </a:avLst>
+                    </a:prstGeom>
+                    <a:ln>
+                      <a:solidFill>
+                        <a:schemeClr val="bg2">
+                          <a:lumMod val="50000"/>
+                        </a:schemeClr>
+                      </a:solidFill>
+                      <a:prstDash val="sysDash"/>
+                      <a:headEnd type="triangle"/>
+                      <a:tailEnd type="triangle"/>
+                    </a:ln>
+                  </p:spPr>
+                  <p:style>
+                    <a:lnRef idx="1">
+                      <a:schemeClr val="dk1"/>
+                    </a:lnRef>
+                    <a:fillRef idx="0">
+                      <a:schemeClr val="dk1"/>
+                    </a:fillRef>
+                    <a:effectRef idx="0">
+                      <a:schemeClr val="dk1"/>
+                    </a:effectRef>
+                    <a:fontRef idx="minor">
+                      <a:schemeClr val="tx1"/>
+                    </a:fontRef>
+                  </p:style>
+                </p:cxnSp>
+                <p:cxnSp>
+                  <p:nvCxnSpPr>
+                    <p:cNvPr id="30" name="Elbow Connector 29"/>
+                    <p:cNvCxnSpPr>
+                      <a:stCxn id="9" idx="1"/>
+                      <a:endCxn id="3" idx="2"/>
+                    </p:cNvCxnSpPr>
+                    <p:nvPr/>
+                  </p:nvCxnSpPr>
+                  <p:spPr>
+                    <a:xfrm rot="10800000" flipH="1">
+                      <a:off x="637502" y="1767342"/>
+                      <a:ext cx="843567" cy="2368785"/>
+                    </a:xfrm>
+                    <a:prstGeom prst="bentConnector4">
+                      <a:avLst>
+                        <a:gd name="adj1" fmla="val -27099"/>
+                        <a:gd name="adj2" fmla="val 94542"/>
+                      </a:avLst>
+                    </a:prstGeom>
+                    <a:ln>
+                      <a:solidFill>
+                        <a:schemeClr val="bg2">
+                          <a:lumMod val="50000"/>
+                        </a:schemeClr>
+                      </a:solidFill>
+                      <a:prstDash val="sysDash"/>
+                      <a:headEnd type="triangle"/>
+                      <a:tailEnd type="triangle"/>
+                    </a:ln>
+                  </p:spPr>
+                  <p:style>
+                    <a:lnRef idx="1">
+                      <a:schemeClr val="dk1"/>
+                    </a:lnRef>
+                    <a:fillRef idx="0">
+                      <a:schemeClr val="dk1"/>
+                    </a:fillRef>
+                    <a:effectRef idx="0">
+                      <a:schemeClr val="dk1"/>
+                    </a:effectRef>
+                    <a:fontRef idx="minor">
+                      <a:schemeClr val="tx1"/>
+                    </a:fontRef>
+                  </p:style>
+                </p:cxnSp>
+                <p:cxnSp>
+                  <p:nvCxnSpPr>
+                    <p:cNvPr id="33" name="Elbow Connector 32"/>
+                    <p:cNvCxnSpPr>
+                      <a:stCxn id="9" idx="0"/>
+                      <a:endCxn id="7" idx="2"/>
+                    </p:cNvCxnSpPr>
+                    <p:nvPr/>
+                  </p:nvCxnSpPr>
+                  <p:spPr>
+                    <a:xfrm rot="16200000" flipV="1">
+                      <a:off x="5514878" y="1507043"/>
+                      <a:ext cx="258576" cy="779172"/>
+                    </a:xfrm>
+                    <a:prstGeom prst="bentConnector3">
+                      <a:avLst>
+                        <a:gd name="adj1" fmla="val 50000"/>
+                      </a:avLst>
+                    </a:prstGeom>
+                    <a:ln>
+                      <a:solidFill>
+                        <a:schemeClr val="bg2">
+                          <a:lumMod val="50000"/>
+                        </a:schemeClr>
+                      </a:solidFill>
+                      <a:prstDash val="sysDash"/>
+                      <a:headEnd type="triangle"/>
+                      <a:tailEnd type="triangle"/>
+                    </a:ln>
+                  </p:spPr>
+                  <p:style>
+                    <a:lnRef idx="1">
+                      <a:schemeClr val="dk1"/>
+                    </a:lnRef>
+                    <a:fillRef idx="0">
+                      <a:schemeClr val="dk1"/>
+                    </a:fillRef>
+                    <a:effectRef idx="0">
+                      <a:schemeClr val="dk1"/>
+                    </a:effectRef>
+                    <a:fontRef idx="minor">
+                      <a:schemeClr val="tx1"/>
+                    </a:fontRef>
+                  </p:style>
+                </p:cxnSp>
+                <p:cxnSp>
+                  <p:nvCxnSpPr>
+                    <p:cNvPr id="36" name="Elbow Connector 35"/>
+                    <p:cNvCxnSpPr>
+                      <a:stCxn id="9" idx="3"/>
+                      <a:endCxn id="8" idx="2"/>
+                    </p:cNvCxnSpPr>
+                    <p:nvPr/>
+                  </p:nvCxnSpPr>
+                  <p:spPr>
+                    <a:xfrm flipH="1" flipV="1">
+                      <a:off x="9807262" y="1767340"/>
+                      <a:ext cx="1622738" cy="2368786"/>
+                    </a:xfrm>
+                    <a:prstGeom prst="bentConnector4">
+                      <a:avLst>
+                        <a:gd name="adj1" fmla="val -14087"/>
+                        <a:gd name="adj2" fmla="val 94542"/>
+                      </a:avLst>
+                    </a:prstGeom>
+                    <a:ln>
+                      <a:solidFill>
+                        <a:schemeClr val="bg2">
+                          <a:lumMod val="50000"/>
+                        </a:schemeClr>
+                      </a:solidFill>
+                      <a:prstDash val="sysDash"/>
+                      <a:headEnd type="triangle"/>
+                      <a:tailEnd type="triangle"/>
+                    </a:ln>
+                  </p:spPr>
+                  <p:style>
+                    <a:lnRef idx="1">
+                      <a:schemeClr val="dk1"/>
+                    </a:lnRef>
+                    <a:fillRef idx="0">
+                      <a:schemeClr val="dk1"/>
+                    </a:fillRef>
+                    <a:effectRef idx="0">
+                      <a:schemeClr val="dk1"/>
+                    </a:effectRef>
+                    <a:fontRef idx="minor">
+                      <a:schemeClr val="tx1"/>
+                    </a:fontRef>
+                  </p:style>
+                </p:cxnSp>
+                <p:cxnSp>
+                  <p:nvCxnSpPr>
+                    <p:cNvPr id="42" name="Straight Arrow Connector 41"/>
+                    <p:cNvCxnSpPr/>
+                    <p:nvPr/>
+                  </p:nvCxnSpPr>
+                  <p:spPr>
+                    <a:xfrm>
+                      <a:off x="7482625" y="1098051"/>
+                      <a:ext cx="0" cy="927868"/>
+                    </a:xfrm>
+                    <a:prstGeom prst="straightConnector1">
+                      <a:avLst/>
+                    </a:prstGeom>
+                    <a:ln>
+                      <a:solidFill>
+                        <a:schemeClr val="bg2">
+                          <a:lumMod val="50000"/>
+                        </a:schemeClr>
+                      </a:solidFill>
+                      <a:prstDash val="sysDash"/>
+                      <a:tailEnd type="triangle"/>
+                    </a:ln>
+                  </p:spPr>
+                  <p:style>
+                    <a:lnRef idx="1">
+                      <a:schemeClr val="accent1"/>
+                    </a:lnRef>
+                    <a:fillRef idx="0">
+                      <a:schemeClr val="accent1"/>
+                    </a:fillRef>
+                    <a:effectRef idx="0">
+                      <a:schemeClr val="accent1"/>
+                    </a:effectRef>
+                    <a:fontRef idx="minor">
+                      <a:schemeClr val="tx1"/>
+                    </a:fontRef>
+                  </p:style>
+                </p:cxnSp>
+              </p:grpSp>
+            </p:grpSp>
+          </p:grpSp>
+        </p:grpSp>
+        <p:grpSp>
+          <p:nvGrpSpPr>
+            <p:cNvPr id="84" name="Group 83"/>
+            <p:cNvGrpSpPr/>
+            <p:nvPr/>
+          </p:nvGrpSpPr>
+          <p:grpSpPr>
+            <a:xfrm>
+              <a:off x="1073516" y="2160484"/>
+              <a:ext cx="9777568" cy="3277931"/>
+              <a:chOff x="1111028" y="2124908"/>
+              <a:chExt cx="9777568" cy="3277931"/>
+            </a:xfrm>
+          </p:grpSpPr>
+          <p:sp>
+            <p:nvSpPr>
+              <p:cNvPr id="4" name="Rectangle 3"/>
+              <p:cNvSpPr/>
+              <p:nvPr/>
+            </p:nvSpPr>
+            <p:spPr>
+              <a:xfrm>
+                <a:off x="4823272" y="2124908"/>
+                <a:ext cx="2420953" cy="540000"/>
+              </a:xfrm>
+              <a:prstGeom prst="rect">
+                <a:avLst/>
+              </a:prstGeom>
+              <a:solidFill>
+                <a:srgbClr val="7030A0"/>
+              </a:solidFill>
+              <a:ln>
+                <a:solidFill>
+                  <a:srgbClr val="7030A0"/>
+                </a:solidFill>
+              </a:ln>
+            </p:spPr>
+            <p:style>
+              <a:lnRef idx="2">
+                <a:schemeClr val="accent1">
+                  <a:shade val="50000"/>
+                </a:schemeClr>
+              </a:lnRef>
+              <a:fillRef idx="1">
+                <a:schemeClr val="accent1"/>
+              </a:fillRef>
+              <a:effectRef idx="0">
+                <a:schemeClr val="accent1"/>
+              </a:effectRef>
+              <a:fontRef idx="minor">
+                <a:schemeClr val="lt1"/>
+              </a:fontRef>
+            </p:style>
+            <p:txBody>
+              <a:bodyPr rtlCol="0" anchor="ctr"/>
+              <a:lstStyle/>
+              <a:p>
+                <a:pPr algn="ctr"/>
+                <a:r>
+                  <a:rPr lang="en-GB" sz="1400" dirty="0" smtClean="0"/>
+                  <a:t>WP3: State of the art</a:t>
+                </a:r>
+                <a:endParaRPr lang="en-GB" sz="1400" dirty="0"/>
+              </a:p>
+            </p:txBody>
+          </p:sp>
+          <p:sp>
+            <p:nvSpPr>
+              <p:cNvPr id="5" name="Rectangle 4"/>
+              <p:cNvSpPr/>
+              <p:nvPr/>
+            </p:nvSpPr>
+            <p:spPr>
+              <a:xfrm>
+                <a:off x="1111028" y="3879689"/>
+                <a:ext cx="2694676" cy="540000"/>
+              </a:xfrm>
+              <a:prstGeom prst="rect">
+                <a:avLst/>
+              </a:prstGeom>
+              <a:solidFill>
+                <a:srgbClr val="C00000"/>
+              </a:solidFill>
+              <a:ln>
+                <a:solidFill>
+                  <a:srgbClr val="C00000"/>
+                </a:solidFill>
+              </a:ln>
+            </p:spPr>
+            <p:style>
+              <a:lnRef idx="2">
+                <a:schemeClr val="accent1">
+                  <a:shade val="50000"/>
+                </a:schemeClr>
+              </a:lnRef>
+              <a:fillRef idx="1">
+                <a:schemeClr val="accent1"/>
+              </a:fillRef>
+              <a:effectRef idx="0">
+                <a:schemeClr val="accent1"/>
+              </a:effectRef>
+              <a:fontRef idx="minor">
+                <a:schemeClr val="lt1"/>
+              </a:fontRef>
+            </p:style>
+            <p:txBody>
+              <a:bodyPr rtlCol="0" anchor="ctr"/>
+              <a:lstStyle/>
+              <a:p>
+                <a:pPr algn="ctr"/>
+                <a:r>
+                  <a:rPr lang="en-GB" sz="1400" dirty="0" smtClean="0"/>
+                  <a:t>WP4: Product development</a:t>
+                </a:r>
+                <a:endParaRPr lang="en-GB" sz="1400" dirty="0"/>
+              </a:p>
+            </p:txBody>
+          </p:sp>
+          <p:sp>
+            <p:nvSpPr>
+              <p:cNvPr id="6" name="Rectangle 5"/>
+              <p:cNvSpPr/>
+              <p:nvPr/>
+            </p:nvSpPr>
+            <p:spPr>
+              <a:xfrm>
+                <a:off x="6156485" y="4862839"/>
+                <a:ext cx="3977732" cy="540000"/>
+              </a:xfrm>
+              <a:prstGeom prst="rect">
+                <a:avLst/>
+              </a:prstGeom>
+              <a:solidFill>
+                <a:schemeClr val="accent2">
+                  <a:lumMod val="75000"/>
+                </a:schemeClr>
+              </a:solidFill>
+              <a:ln>
+                <a:solidFill>
+                  <a:schemeClr val="accent2">
+                    <a:lumMod val="75000"/>
+                  </a:schemeClr>
+                </a:solidFill>
+              </a:ln>
+            </p:spPr>
+            <p:style>
+              <a:lnRef idx="2">
+                <a:schemeClr val="accent1">
+                  <a:shade val="50000"/>
+                </a:schemeClr>
+              </a:lnRef>
+              <a:fillRef idx="1">
+                <a:schemeClr val="accent1"/>
+              </a:fillRef>
+              <a:effectRef idx="0">
+                <a:schemeClr val="accent1"/>
+              </a:effectRef>
+              <a:fontRef idx="minor">
+                <a:schemeClr val="lt1"/>
+              </a:fontRef>
+            </p:style>
+            <p:txBody>
+              <a:bodyPr rtlCol="0" anchor="ctr"/>
+              <a:lstStyle/>
+              <a:p>
+                <a:pPr algn="ctr"/>
+                <a:r>
+                  <a:rPr lang="en-GB" sz="1400" dirty="0" smtClean="0"/>
+                  <a:t>WP5: Simulation, testing, validation and quality</a:t>
+                </a:r>
+                <a:endParaRPr lang="en-GB" sz="1400" dirty="0"/>
+              </a:p>
+            </p:txBody>
+          </p:sp>
+          <p:sp>
+            <p:nvSpPr>
+              <p:cNvPr id="47" name="Rectangle 46"/>
+              <p:cNvSpPr/>
+              <p:nvPr/>
+            </p:nvSpPr>
+            <p:spPr>
+              <a:xfrm>
+                <a:off x="2240833" y="2124908"/>
+                <a:ext cx="1912687" cy="540000"/>
+              </a:xfrm>
+              <a:prstGeom prst="rect">
+                <a:avLst/>
+              </a:prstGeom>
+            </p:spPr>
+            <p:style>
+              <a:lnRef idx="2">
+                <a:schemeClr val="accent3"/>
+              </a:lnRef>
+              <a:fillRef idx="1">
+                <a:schemeClr val="lt1"/>
+              </a:fillRef>
+              <a:effectRef idx="0">
+                <a:schemeClr val="accent3"/>
+              </a:effectRef>
+              <a:fontRef idx="minor">
+                <a:schemeClr val="dk1"/>
+              </a:fontRef>
+            </p:style>
+            <p:txBody>
+              <a:bodyPr rtlCol="0" anchor="ctr"/>
+              <a:lstStyle/>
+              <a:p>
+                <a:pPr algn="ctr"/>
+                <a:r>
+                  <a:rPr lang="en-GB" sz="1400" dirty="0" smtClean="0"/>
+                  <a:t>Baseline for design</a:t>
+                </a:r>
+                <a:endParaRPr lang="en-GB" sz="1400" dirty="0"/>
+              </a:p>
+            </p:txBody>
+          </p:sp>
+          <p:cxnSp>
+            <p:nvCxnSpPr>
+              <p:cNvPr id="55" name="Straight Arrow Connector 54"/>
+              <p:cNvCxnSpPr>
+                <a:stCxn id="47" idx="3"/>
+                <a:endCxn id="4" idx="1"/>
+              </p:cNvCxnSpPr>
+              <p:nvPr/>
+            </p:nvCxnSpPr>
+            <p:spPr>
+              <a:xfrm>
+                <a:off x="4153520" y="2394908"/>
+                <a:ext cx="669752" cy="0"/>
+              </a:xfrm>
+              <a:prstGeom prst="straightConnector1">
+                <a:avLst/>
+              </a:prstGeom>
+              <a:ln>
+                <a:solidFill>
+                  <a:schemeClr val="bg2">
+                    <a:lumMod val="50000"/>
+                  </a:schemeClr>
+                </a:solidFill>
+                <a:tailEnd type="triangle"/>
+              </a:ln>
+            </p:spPr>
+            <p:style>
+              <a:lnRef idx="1">
+                <a:schemeClr val="accent1"/>
+              </a:lnRef>
+              <a:fillRef idx="0">
+                <a:schemeClr val="accent1"/>
+              </a:fillRef>
+              <a:effectRef idx="0">
+                <a:schemeClr val="accent1"/>
+              </a:effectRef>
+              <a:fontRef idx="minor">
+                <a:schemeClr val="tx1"/>
+              </a:fontRef>
+            </p:style>
+          </p:cxnSp>
+          <p:sp>
+            <p:nvSpPr>
+              <p:cNvPr id="56" name="Rectangle 55"/>
+              <p:cNvSpPr/>
+              <p:nvPr/>
+            </p:nvSpPr>
+            <p:spPr>
+              <a:xfrm>
+                <a:off x="4817323" y="2973080"/>
+                <a:ext cx="2432849" cy="540000"/>
+              </a:xfrm>
+              <a:prstGeom prst="rect">
+                <a:avLst/>
+              </a:prstGeom>
+            </p:spPr>
+            <p:style>
+              <a:lnRef idx="2">
+                <a:schemeClr val="accent3"/>
+              </a:lnRef>
+              <a:fillRef idx="1">
+                <a:schemeClr val="lt1"/>
+              </a:fillRef>
+              <a:effectRef idx="0">
+                <a:schemeClr val="accent3"/>
+              </a:effectRef>
+              <a:fontRef idx="minor">
+                <a:schemeClr val="dk1"/>
+              </a:fontRef>
+            </p:style>
+            <p:txBody>
+              <a:bodyPr rtlCol="0" anchor="ctr"/>
+              <a:lstStyle/>
+              <a:p>
+                <a:pPr algn="ctr"/>
+                <a:r>
+                  <a:rPr lang="en-GB" sz="1400" dirty="0" smtClean="0"/>
+                  <a:t>New technologies requirements</a:t>
+                </a:r>
+                <a:endParaRPr lang="en-GB" sz="1400" dirty="0"/>
+              </a:p>
+            </p:txBody>
+          </p:sp>
+          <p:cxnSp>
+            <p:nvCxnSpPr>
+              <p:cNvPr id="57" name="Straight Arrow Connector 56"/>
+              <p:cNvCxnSpPr>
+                <a:stCxn id="4" idx="2"/>
+                <a:endCxn id="56" idx="0"/>
+              </p:cNvCxnSpPr>
+              <p:nvPr/>
+            </p:nvCxnSpPr>
+            <p:spPr>
+              <a:xfrm flipH="1">
+                <a:off x="6033748" y="2664908"/>
+                <a:ext cx="1" cy="308172"/>
+              </a:xfrm>
+              <a:prstGeom prst="straightConnector1">
+                <a:avLst/>
+              </a:prstGeom>
+              <a:ln>
+                <a:solidFill>
+                  <a:schemeClr val="bg2">
+                    <a:lumMod val="50000"/>
+                  </a:schemeClr>
+                </a:solidFill>
+                <a:tailEnd type="triangle"/>
+              </a:ln>
+            </p:spPr>
+            <p:style>
+              <a:lnRef idx="1">
+                <a:schemeClr val="accent1"/>
+              </a:lnRef>
+              <a:fillRef idx="0">
+                <a:schemeClr val="accent1"/>
+              </a:fillRef>
+              <a:effectRef idx="0">
+                <a:schemeClr val="accent1"/>
+              </a:effectRef>
+              <a:fontRef idx="minor">
+                <a:schemeClr val="tx1"/>
+              </a:fontRef>
+            </p:style>
+          </p:cxnSp>
+          <p:cxnSp>
+            <p:nvCxnSpPr>
+              <p:cNvPr id="61" name="Elbow Connector 60"/>
+              <p:cNvCxnSpPr>
+                <a:stCxn id="56" idx="2"/>
+                <a:endCxn id="5" idx="0"/>
+              </p:cNvCxnSpPr>
+              <p:nvPr/>
+            </p:nvCxnSpPr>
+            <p:spPr>
+              <a:xfrm rot="5400000">
+                <a:off x="4062753" y="1908693"/>
+                <a:ext cx="366609" cy="3575382"/>
+              </a:xfrm>
+              <a:prstGeom prst="bentConnector3">
+                <a:avLst/>
+              </a:prstGeom>
+              <a:ln>
+                <a:solidFill>
+                  <a:schemeClr val="bg2">
+                    <a:lumMod val="50000"/>
+                  </a:schemeClr>
+                </a:solidFill>
+                <a:tailEnd type="triangle"/>
+              </a:ln>
+            </p:spPr>
+            <p:style>
+              <a:lnRef idx="1">
+                <a:schemeClr val="accent1"/>
+              </a:lnRef>
+              <a:fillRef idx="0">
+                <a:schemeClr val="accent1"/>
+              </a:fillRef>
+              <a:effectRef idx="0">
+                <a:schemeClr val="accent1"/>
+              </a:effectRef>
+              <a:fontRef idx="minor">
+                <a:schemeClr val="tx1"/>
+              </a:fontRef>
+            </p:style>
+          </p:cxnSp>
+          <p:sp>
+            <p:nvSpPr>
+              <p:cNvPr id="62" name="Rectangle 61"/>
+              <p:cNvSpPr/>
+              <p:nvPr/>
+            </p:nvSpPr>
+            <p:spPr>
+              <a:xfrm>
+                <a:off x="1241941" y="4862839"/>
+                <a:ext cx="2432849" cy="540000"/>
+              </a:xfrm>
+              <a:prstGeom prst="rect">
+                <a:avLst/>
+              </a:prstGeom>
+            </p:spPr>
+            <p:style>
+              <a:lnRef idx="2">
+                <a:schemeClr val="accent3"/>
+              </a:lnRef>
+              <a:fillRef idx="1">
+                <a:schemeClr val="lt1"/>
+              </a:fillRef>
+              <a:effectRef idx="0">
+                <a:schemeClr val="accent3"/>
+              </a:effectRef>
+              <a:fontRef idx="minor">
+                <a:schemeClr val="dk1"/>
+              </a:fontRef>
+            </p:style>
+            <p:txBody>
+              <a:bodyPr rtlCol="0" anchor="ctr"/>
+              <a:lstStyle/>
+              <a:p>
+                <a:pPr algn="ctr"/>
+                <a:r>
+                  <a:rPr lang="en-GB" sz="1400" dirty="0" smtClean="0"/>
+                  <a:t>Product design</a:t>
+                </a:r>
+                <a:endParaRPr lang="en-GB" sz="1400" dirty="0"/>
+              </a:p>
+            </p:txBody>
+          </p:sp>
+          <p:sp>
+            <p:nvSpPr>
+              <p:cNvPr id="63" name="Rectangle 62"/>
+              <p:cNvSpPr/>
+              <p:nvPr/>
+            </p:nvSpPr>
+            <p:spPr>
+              <a:xfrm>
+                <a:off x="6156485" y="3879689"/>
+                <a:ext cx="2767838" cy="540000"/>
+              </a:xfrm>
+              <a:prstGeom prst="rect">
+                <a:avLst/>
+              </a:prstGeom>
+            </p:spPr>
+            <p:style>
+              <a:lnRef idx="2">
+                <a:schemeClr val="accent3"/>
+              </a:lnRef>
+              <a:fillRef idx="1">
+                <a:schemeClr val="lt1"/>
+              </a:fillRef>
+              <a:effectRef idx="0">
+                <a:schemeClr val="accent3"/>
+              </a:effectRef>
+              <a:fontRef idx="minor">
+                <a:schemeClr val="dk1"/>
+              </a:fontRef>
+            </p:style>
+            <p:txBody>
+              <a:bodyPr rtlCol="0" anchor="ctr"/>
+              <a:lstStyle/>
+              <a:p>
+                <a:pPr algn="ctr"/>
+                <a:r>
+                  <a:rPr lang="en-GB" sz="1400" dirty="0" smtClean="0"/>
+                  <a:t>Test, performance and quality data</a:t>
+                </a:r>
+                <a:endParaRPr lang="en-GB" sz="1400" dirty="0"/>
+              </a:p>
+            </p:txBody>
+          </p:sp>
+          <p:cxnSp>
+            <p:nvCxnSpPr>
+              <p:cNvPr id="71" name="Straight Arrow Connector 70"/>
+              <p:cNvCxnSpPr>
+                <a:stCxn id="5" idx="2"/>
+                <a:endCxn id="62" idx="0"/>
+              </p:cNvCxnSpPr>
+              <p:nvPr/>
+            </p:nvCxnSpPr>
+            <p:spPr>
+              <a:xfrm>
+                <a:off x="2458366" y="4419689"/>
+                <a:ext cx="0" cy="443150"/>
+              </a:xfrm>
+              <a:prstGeom prst="straightConnector1">
+                <a:avLst/>
+              </a:prstGeom>
+              <a:ln>
+                <a:solidFill>
+                  <a:schemeClr val="bg2">
+                    <a:lumMod val="50000"/>
+                  </a:schemeClr>
+                </a:solidFill>
+                <a:tailEnd type="triangle"/>
+              </a:ln>
+            </p:spPr>
+            <p:style>
+              <a:lnRef idx="1">
+                <a:schemeClr val="accent1"/>
+              </a:lnRef>
+              <a:fillRef idx="0">
+                <a:schemeClr val="accent1"/>
+              </a:fillRef>
+              <a:effectRef idx="0">
+                <a:schemeClr val="accent1"/>
+              </a:effectRef>
+              <a:fontRef idx="minor">
+                <a:schemeClr val="tx1"/>
+              </a:fontRef>
+            </p:style>
+          </p:cxnSp>
+          <p:cxnSp>
+            <p:nvCxnSpPr>
+              <p:cNvPr id="72" name="Straight Arrow Connector 71"/>
+              <p:cNvCxnSpPr>
+                <a:stCxn id="62" idx="3"/>
+                <a:endCxn id="6" idx="1"/>
+              </p:cNvCxnSpPr>
+              <p:nvPr/>
+            </p:nvCxnSpPr>
+            <p:spPr>
+              <a:xfrm>
+                <a:off x="3674790" y="5132839"/>
+                <a:ext cx="2481695" cy="0"/>
+              </a:xfrm>
+              <a:prstGeom prst="straightConnector1">
+                <a:avLst/>
+              </a:prstGeom>
+              <a:ln>
+                <a:solidFill>
+                  <a:schemeClr val="bg2">
+                    <a:lumMod val="50000"/>
+                  </a:schemeClr>
+                </a:solidFill>
+                <a:tailEnd type="triangle"/>
+              </a:ln>
+            </p:spPr>
+            <p:style>
+              <a:lnRef idx="1">
+                <a:schemeClr val="accent1"/>
+              </a:lnRef>
+              <a:fillRef idx="0">
+                <a:schemeClr val="accent1"/>
+              </a:fillRef>
+              <a:effectRef idx="0">
+                <a:schemeClr val="accent1"/>
+              </a:effectRef>
+              <a:fontRef idx="minor">
+                <a:schemeClr val="tx1"/>
+              </a:fontRef>
+            </p:style>
+          </p:cxnSp>
+          <p:cxnSp>
+            <p:nvCxnSpPr>
+              <p:cNvPr id="77" name="Elbow Connector 76"/>
+              <p:cNvCxnSpPr>
+                <a:stCxn id="6" idx="0"/>
+                <a:endCxn id="63" idx="2"/>
+              </p:cNvCxnSpPr>
+              <p:nvPr/>
+            </p:nvCxnSpPr>
+            <p:spPr>
+              <a:xfrm rot="16200000" flipV="1">
+                <a:off x="7621303" y="4338790"/>
+                <a:ext cx="443150" cy="604947"/>
+              </a:xfrm>
+              <a:prstGeom prst="bentConnector3">
+                <a:avLst/>
+              </a:prstGeom>
+              <a:ln>
+                <a:solidFill>
+                  <a:schemeClr val="bg2">
+                    <a:lumMod val="50000"/>
+                  </a:schemeClr>
+                </a:solidFill>
+                <a:tailEnd type="triangle"/>
+              </a:ln>
+            </p:spPr>
+            <p:style>
+              <a:lnRef idx="1">
+                <a:schemeClr val="accent1"/>
+              </a:lnRef>
+              <a:fillRef idx="0">
+                <a:schemeClr val="accent1"/>
+              </a:fillRef>
+              <a:effectRef idx="0">
+                <a:schemeClr val="accent1"/>
+              </a:effectRef>
+              <a:fontRef idx="minor">
+                <a:schemeClr val="tx1"/>
+              </a:fontRef>
+            </p:style>
+          </p:cxnSp>
+          <p:cxnSp>
+            <p:nvCxnSpPr>
+              <p:cNvPr id="79" name="Straight Arrow Connector 78"/>
+              <p:cNvCxnSpPr>
+                <a:stCxn id="63" idx="1"/>
+                <a:endCxn id="5" idx="3"/>
+              </p:cNvCxnSpPr>
+              <p:nvPr/>
+            </p:nvCxnSpPr>
+            <p:spPr>
+              <a:xfrm flipH="1">
+                <a:off x="3805704" y="4149689"/>
+                <a:ext cx="2350781" cy="0"/>
+              </a:xfrm>
+              <a:prstGeom prst="straightConnector1">
+                <a:avLst/>
+              </a:prstGeom>
+              <a:ln>
+                <a:solidFill>
+                  <a:schemeClr val="bg2">
+                    <a:lumMod val="50000"/>
+                  </a:schemeClr>
+                </a:solidFill>
+                <a:tailEnd type="triangle"/>
+              </a:ln>
+            </p:spPr>
+            <p:style>
+              <a:lnRef idx="1">
+                <a:schemeClr val="accent1"/>
+              </a:lnRef>
+              <a:fillRef idx="0">
+                <a:schemeClr val="accent1"/>
+              </a:fillRef>
+              <a:effectRef idx="0">
+                <a:schemeClr val="accent1"/>
+              </a:effectRef>
+              <a:fontRef idx="minor">
+                <a:schemeClr val="tx1"/>
+              </a:fontRef>
+            </p:style>
+          </p:cxnSp>
+          <p:sp>
+            <p:nvSpPr>
+              <p:cNvPr id="80" name="Rectangle 79"/>
+              <p:cNvSpPr/>
+              <p:nvPr/>
+            </p:nvSpPr>
+            <p:spPr>
+              <a:xfrm>
+                <a:off x="9337181" y="2874681"/>
+                <a:ext cx="1551415" cy="540000"/>
+              </a:xfrm>
+              <a:prstGeom prst="rect">
+                <a:avLst/>
+              </a:prstGeom>
+            </p:spPr>
+            <p:style>
+              <a:lnRef idx="2">
+                <a:schemeClr val="accent3"/>
+              </a:lnRef>
+              <a:fillRef idx="1">
+                <a:schemeClr val="lt1"/>
+              </a:fillRef>
+              <a:effectRef idx="0">
+                <a:schemeClr val="accent3"/>
+              </a:effectRef>
+              <a:fontRef idx="minor">
+                <a:schemeClr val="dk1"/>
+              </a:fontRef>
+            </p:style>
+            <p:txBody>
+              <a:bodyPr rtlCol="0" anchor="ctr"/>
+              <a:lstStyle/>
+              <a:p>
+                <a:pPr algn="ctr"/>
+                <a:r>
+                  <a:rPr lang="en-GB" sz="1400" dirty="0" smtClean="0"/>
+                  <a:t>Final designs</a:t>
+                </a:r>
+                <a:endParaRPr lang="en-GB" sz="1400" dirty="0"/>
+              </a:p>
+            </p:txBody>
+          </p:sp>
+          <p:cxnSp>
+            <p:nvCxnSpPr>
+              <p:cNvPr id="82" name="Elbow Connector 81"/>
+              <p:cNvCxnSpPr>
+                <a:stCxn id="6" idx="0"/>
+                <a:endCxn id="80" idx="2"/>
+              </p:cNvCxnSpPr>
+              <p:nvPr/>
+            </p:nvCxnSpPr>
+            <p:spPr>
+              <a:xfrm rot="5400000" flipH="1" flipV="1">
+                <a:off x="8405041" y="3154991"/>
+                <a:ext cx="1448158" cy="1967538"/>
+              </a:xfrm>
+              <a:prstGeom prst="bentConnector3">
+                <a:avLst>
+                  <a:gd name="adj1" fmla="val 15936"/>
+                </a:avLst>
+              </a:prstGeom>
+              <a:ln>
+                <a:solidFill>
+                  <a:schemeClr val="bg2">
+                    <a:lumMod val="50000"/>
+                  </a:schemeClr>
+                </a:solidFill>
+                <a:tailEnd type="triangle"/>
+              </a:ln>
+            </p:spPr>
+            <p:style>
+              <a:lnRef idx="1">
+                <a:schemeClr val="accent1"/>
+              </a:lnRef>
+              <a:fillRef idx="0">
+                <a:schemeClr val="accent1"/>
+              </a:fillRef>
+              <a:effectRef idx="0">
+                <a:schemeClr val="accent1"/>
+              </a:effectRef>
+              <a:fontRef idx="minor">
+                <a:schemeClr val="tx1"/>
+              </a:fontRef>
+            </p:style>
+          </p:cxnSp>
+        </p:grpSp>
+      </p:grpSp>
     </p:spTree>
     <p:extLst>
       <p:ext uri="{BB962C8B-B14F-4D97-AF65-F5344CB8AC3E}">
